--- a/Data Structures and Algorithms/DSA_L03.pptx
+++ b/Data Structures and Algorithms/DSA_L03.pptx
@@ -241,7 +241,7 @@
           <a:p>
             <a:fld id="{1D8BD707-D9CF-40AE-B4C6-C98DA3205C09}" type="datetimeFigureOut">
               <a:rPr lang="en-US"/>
-              <a:t>9/24/25</a:t>
+              <a:t>10/3/2025</a:t>
             </a:fld>
             <a:endParaRPr lang="en-US"/>
           </a:p>
@@ -442,7 +442,7 @@
           <a:p>
             <a:fld id="{1D8BD707-D9CF-40AE-B4C6-C98DA3205C09}" type="datetimeFigureOut">
               <a:rPr lang="en-US"/>
-              <a:t>9/24/25</a:t>
+              <a:t>10/3/2025</a:t>
             </a:fld>
             <a:endParaRPr lang="en-US"/>
           </a:p>
@@ -680,7 +680,7 @@
           <a:p>
             <a:fld id="{1D8BD707-D9CF-40AE-B4C6-C98DA3205C09}" type="datetimeFigureOut">
               <a:rPr lang="en-US"/>
-              <a:t>9/24/25</a:t>
+              <a:t>10/3/2025</a:t>
             </a:fld>
             <a:endParaRPr lang="en-US"/>
           </a:p>
@@ -852,7 +852,7 @@
           <a:p>
             <a:fld id="{1D8BD707-D9CF-40AE-B4C6-C98DA3205C09}" type="datetimeFigureOut">
               <a:rPr lang="en-US"/>
-              <a:t>9/24/25</a:t>
+              <a:t>10/3/2025</a:t>
             </a:fld>
             <a:endParaRPr lang="en-US"/>
           </a:p>
@@ -995,7 +995,7 @@
           <a:p>
             <a:fld id="{1D8BD707-D9CF-40AE-B4C6-C98DA3205C09}" type="datetimeFigureOut">
               <a:rPr lang="en-US"/>
-              <a:t>9/24/25</a:t>
+              <a:t>10/3/2025</a:t>
             </a:fld>
             <a:endParaRPr lang="en-US"/>
           </a:p>
@@ -1244,7 +1244,7 @@
           <a:p>
             <a:fld id="{1D8BD707-D9CF-40AE-B4C6-C98DA3205C09}" type="datetimeFigureOut">
               <a:rPr lang="en-US"/>
-              <a:t>9/24/25</a:t>
+              <a:t>10/3/2025</a:t>
             </a:fld>
             <a:endParaRPr lang="en-US"/>
           </a:p>
@@ -41491,20 +41491,13 @@
               <a:t>in</a:t>
             </a:r>
             <a:r>
-              <a:rPr sz="1400" spc="45" dirty="0">
-                <a:latin typeface="Arial"/>
-                <a:cs typeface="Arial"/>
-              </a:rPr>
-              <a:t> </a:t>
-            </a:r>
-            <a:r>
-              <a:rPr sz="1400" spc="-10" dirty="0">
-                <a:latin typeface="Arial"/>
-                <a:cs typeface="Arial"/>
-              </a:rPr>
-              <a:t>London</a:t>
-            </a:r>
-            <a:endParaRPr sz="1400">
+              <a:rPr lang="en-US" sz="1400" spc="45" dirty="0">
+                <a:latin typeface="Arial"/>
+                <a:cs typeface="Arial"/>
+              </a:rPr>
+              <a:t> Hyderabad</a:t>
+            </a:r>
+            <a:endParaRPr sz="1400" dirty="0">
               <a:latin typeface="Arial"/>
               <a:cs typeface="Arial"/>
             </a:endParaRPr>
@@ -41587,7 +41580,7 @@
               </a:rPr>
               <a:t>things</a:t>
             </a:r>
-            <a:endParaRPr sz="1400">
+            <a:endParaRPr sz="1400" dirty="0">
               <a:latin typeface="Arial"/>
               <a:cs typeface="Arial"/>
             </a:endParaRPr>
@@ -41705,7 +41698,7 @@
               </a:rPr>
               <a:t>search</a:t>
             </a:r>
-            <a:endParaRPr sz="1400">
+            <a:endParaRPr sz="1400" dirty="0">
               <a:latin typeface="Arial"/>
               <a:cs typeface="Arial"/>
             </a:endParaRPr>
@@ -44180,4 +44173,10 @@
   <a:objectDefaults/>
   <a:extraClrSchemeLst/>
 </a:theme>
+</file>
+
+<file path=docMetadata/LabelInfo.xml><?xml version="1.0" encoding="utf-8"?>
+<clbl:labelList xmlns:clbl="http://schemas.microsoft.com/office/2020/mipLabelMetadata">
+  <clbl:label id="{ea60d57e-af5b-4752-ac57-3e4f28ca11dc}" enabled="1" method="Standard" siteId="{36da45f1-dd2c-4d1f-af13-5abe46b99921}" contentBits="0" removed="0"/>
+</clbl:labelList>
 </file>